--- a/MÃ HÓA AES.pptx
+++ b/MÃ HÓA AES.pptx
@@ -8272,7 +8272,7 @@
         </p:nvSpPr>
         <p:spPr>
           <a:xfrm>
-            <a:off x="1097280" y="3182112"/>
+            <a:off x="553288" y="728553"/>
             <a:ext cx="10058400" cy="1143000"/>
           </a:xfrm>
         </p:spPr>
@@ -8311,7 +8311,7 @@
         </p:nvSpPr>
         <p:spPr>
           <a:xfrm>
-            <a:off x="1100051" y="4455620"/>
+            <a:off x="553288" y="2286000"/>
             <a:ext cx="10058400" cy="1143000"/>
           </a:xfrm>
         </p:spPr>
@@ -8447,7 +8447,7 @@
         </p:nvSpPr>
         <p:spPr>
           <a:xfrm>
-            <a:off x="6316658" y="677565"/>
+            <a:off x="6096000" y="4414947"/>
             <a:ext cx="4778062" cy="1938992"/>
           </a:xfrm>
           <a:prstGeom prst="rect">
@@ -8672,7 +8672,7 @@
         </p:nvSpPr>
         <p:spPr>
           <a:xfrm>
-            <a:off x="1097280" y="677565"/>
+            <a:off x="553288" y="4414947"/>
             <a:ext cx="4778062" cy="830997"/>
           </a:xfrm>
           <a:prstGeom prst="rect">
@@ -16211,8 +16211,8 @@
         </p:nvSpPr>
         <p:spPr>
           <a:xfrm>
-            <a:off x="642256" y="642257"/>
-            <a:ext cx="3417677" cy="5226837"/>
+            <a:off x="469266" y="191793"/>
+            <a:ext cx="8488492" cy="849198"/>
           </a:xfrm>
         </p:spPr>
         <p:txBody>
@@ -16291,8 +16291,8 @@
         </p:nvSpPr>
         <p:spPr>
           <a:xfrm>
-            <a:off x="4713512" y="642258"/>
-            <a:ext cx="6847117" cy="3091682"/>
+            <a:off x="658581" y="1036911"/>
+            <a:ext cx="10062428" cy="3091682"/>
           </a:xfrm>
         </p:spPr>
         <p:txBody>
@@ -16946,7 +16946,7 @@
         </p:blipFill>
         <p:spPr>
           <a:xfrm>
-            <a:off x="4713512" y="4022197"/>
+            <a:off x="2266236" y="4128593"/>
             <a:ext cx="6847117" cy="1827207"/>
           </a:xfrm>
           <a:prstGeom prst="rect">
@@ -20825,7 +20825,12 @@
             <p:ph type="title"/>
           </p:nvPr>
         </p:nvSpPr>
-        <p:spPr/>
+        <p:spPr>
+          <a:xfrm>
+            <a:off x="351182" y="302811"/>
+            <a:ext cx="3200400" cy="1398578"/>
+          </a:xfrm>
+        </p:spPr>
         <p:txBody>
           <a:bodyPr/>
           <a:lstStyle/>
@@ -20894,157 +20899,159 @@
         </p:nvSpPr>
         <p:spPr/>
         <p:txBody>
-          <a:bodyPr/>
+          <a:bodyPr>
+            <a:normAutofit/>
+          </a:bodyPr>
           <a:lstStyle/>
           <a:p>
             <a:r>
-              <a:rPr lang="en-US" dirty="0" err="1">
+              <a:rPr lang="en-US" sz="2800" dirty="0" err="1">
                 <a:latin typeface="Segoe UI" panose="020B0502040204020203" pitchFamily="34" charset="0"/>
                 <a:cs typeface="Segoe UI" panose="020B0502040204020203" pitchFamily="34" charset="0"/>
               </a:rPr>
               <a:t>Xoay</a:t>
             </a:r>
             <a:r>
-              <a:rPr lang="en-US" dirty="0">
+              <a:rPr lang="en-US" sz="2800" dirty="0">
                 <a:latin typeface="Segoe UI" panose="020B0502040204020203" pitchFamily="34" charset="0"/>
                 <a:cs typeface="Segoe UI" panose="020B0502040204020203" pitchFamily="34" charset="0"/>
               </a:rPr>
               <a:t> </a:t>
             </a:r>
             <a:r>
-              <a:rPr lang="en-US" dirty="0" err="1">
+              <a:rPr lang="en-US" sz="2800" dirty="0" err="1">
                 <a:latin typeface="Segoe UI" panose="020B0502040204020203" pitchFamily="34" charset="0"/>
                 <a:cs typeface="Segoe UI" panose="020B0502040204020203" pitchFamily="34" charset="0"/>
               </a:rPr>
               <a:t>vòng</a:t>
             </a:r>
             <a:r>
-              <a:rPr lang="en-US" dirty="0">
+              <a:rPr lang="en-US" sz="2800" dirty="0">
                 <a:latin typeface="Segoe UI" panose="020B0502040204020203" pitchFamily="34" charset="0"/>
                 <a:cs typeface="Segoe UI" panose="020B0502040204020203" pitchFamily="34" charset="0"/>
               </a:rPr>
               <a:t> các byte </a:t>
             </a:r>
             <a:r>
-              <a:rPr lang="en-US" dirty="0" err="1">
+              <a:rPr lang="en-US" sz="2800" dirty="0" err="1">
                 <a:latin typeface="Segoe UI" panose="020B0502040204020203" pitchFamily="34" charset="0"/>
                 <a:cs typeface="Segoe UI" panose="020B0502040204020203" pitchFamily="34" charset="0"/>
               </a:rPr>
               <a:t>trong</a:t>
             </a:r>
             <a:r>
-              <a:rPr lang="en-US" dirty="0">
+              <a:rPr lang="en-US" sz="2800" dirty="0">
                 <a:latin typeface="Segoe UI" panose="020B0502040204020203" pitchFamily="34" charset="0"/>
                 <a:cs typeface="Segoe UI" panose="020B0502040204020203" pitchFamily="34" charset="0"/>
               </a:rPr>
               <a:t> </a:t>
             </a:r>
             <a:r>
-              <a:rPr lang="en-US" dirty="0" err="1">
+              <a:rPr lang="en-US" sz="2800" dirty="0" err="1">
                 <a:latin typeface="Segoe UI" panose="020B0502040204020203" pitchFamily="34" charset="0"/>
                 <a:cs typeface="Segoe UI" panose="020B0502040204020203" pitchFamily="34" charset="0"/>
               </a:rPr>
               <a:t>cùng</a:t>
             </a:r>
             <a:r>
-              <a:rPr lang="en-US" dirty="0">
+              <a:rPr lang="en-US" sz="2800" dirty="0">
                 <a:latin typeface="Segoe UI" panose="020B0502040204020203" pitchFamily="34" charset="0"/>
                 <a:cs typeface="Segoe UI" panose="020B0502040204020203" pitchFamily="34" charset="0"/>
               </a:rPr>
               <a:t> một </a:t>
             </a:r>
             <a:r>
-              <a:rPr lang="en-US" dirty="0" err="1">
+              <a:rPr lang="en-US" sz="2800" dirty="0" err="1">
                 <a:latin typeface="Segoe UI" panose="020B0502040204020203" pitchFamily="34" charset="0"/>
                 <a:cs typeface="Segoe UI" panose="020B0502040204020203" pitchFamily="34" charset="0"/>
               </a:rPr>
               <a:t>hàng</a:t>
             </a:r>
             <a:r>
-              <a:rPr lang="en-US" dirty="0">
+              <a:rPr lang="en-US" sz="2800" dirty="0">
                 <a:latin typeface="Segoe UI" panose="020B0502040204020203" pitchFamily="34" charset="0"/>
                 <a:cs typeface="Segoe UI" panose="020B0502040204020203" pitchFamily="34" charset="0"/>
               </a:rPr>
               <a:t> của State, </a:t>
             </a:r>
             <a:r>
-              <a:rPr lang="en-US" dirty="0" err="1">
+              <a:rPr lang="en-US" sz="2800" dirty="0" err="1">
                 <a:latin typeface="Segoe UI" panose="020B0502040204020203" pitchFamily="34" charset="0"/>
                 <a:cs typeface="Segoe UI" panose="020B0502040204020203" pitchFamily="34" charset="0"/>
               </a:rPr>
               <a:t>trừ</a:t>
             </a:r>
             <a:r>
-              <a:rPr lang="en-US" dirty="0">
+              <a:rPr lang="en-US" sz="2800" dirty="0">
                 <a:latin typeface="Segoe UI" panose="020B0502040204020203" pitchFamily="34" charset="0"/>
                 <a:cs typeface="Segoe UI" panose="020B0502040204020203" pitchFamily="34" charset="0"/>
               </a:rPr>
               <a:t> </a:t>
             </a:r>
             <a:r>
-              <a:rPr lang="en-US" dirty="0" err="1">
+              <a:rPr lang="en-US" sz="2800" dirty="0" err="1">
                 <a:latin typeface="Segoe UI" panose="020B0502040204020203" pitchFamily="34" charset="0"/>
                 <a:cs typeface="Segoe UI" panose="020B0502040204020203" pitchFamily="34" charset="0"/>
               </a:rPr>
               <a:t>hàng</a:t>
             </a:r>
             <a:r>
-              <a:rPr lang="en-US" dirty="0">
+              <a:rPr lang="en-US" sz="2800" dirty="0">
                 <a:latin typeface="Segoe UI" panose="020B0502040204020203" pitchFamily="34" charset="0"/>
                 <a:cs typeface="Segoe UI" panose="020B0502040204020203" pitchFamily="34" charset="0"/>
               </a:rPr>
               <a:t> đầu </a:t>
             </a:r>
             <a:r>
-              <a:rPr lang="en-US" dirty="0" err="1">
+              <a:rPr lang="en-US" sz="2800" dirty="0" err="1">
                 <a:latin typeface="Segoe UI" panose="020B0502040204020203" pitchFamily="34" charset="0"/>
                 <a:cs typeface="Segoe UI" panose="020B0502040204020203" pitchFamily="34" charset="0"/>
               </a:rPr>
               <a:t>giữ</a:t>
             </a:r>
             <a:r>
-              <a:rPr lang="en-US" dirty="0">
+              <a:rPr lang="en-US" sz="2800" dirty="0">
                 <a:latin typeface="Segoe UI" panose="020B0502040204020203" pitchFamily="34" charset="0"/>
                 <a:cs typeface="Segoe UI" panose="020B0502040204020203" pitchFamily="34" charset="0"/>
               </a:rPr>
               <a:t> </a:t>
             </a:r>
             <a:r>
-              <a:rPr lang="en-US" dirty="0" err="1">
+              <a:rPr lang="en-US" sz="2800" dirty="0" err="1">
                 <a:latin typeface="Segoe UI" panose="020B0502040204020203" pitchFamily="34" charset="0"/>
                 <a:cs typeface="Segoe UI" panose="020B0502040204020203" pitchFamily="34" charset="0"/>
               </a:rPr>
               <a:t>nguyên</a:t>
             </a:r>
             <a:r>
-              <a:rPr lang="en-US" dirty="0">
+              <a:rPr lang="en-US" sz="2800" dirty="0">
                 <a:latin typeface="Segoe UI" panose="020B0502040204020203" pitchFamily="34" charset="0"/>
                 <a:cs typeface="Segoe UI" panose="020B0502040204020203" pitchFamily="34" charset="0"/>
               </a:rPr>
               <a:t> </a:t>
             </a:r>
             <a:r>
-              <a:rPr lang="en-US" dirty="0" err="1">
+              <a:rPr lang="en-US" sz="2800" dirty="0" err="1">
                 <a:latin typeface="Segoe UI" panose="020B0502040204020203" pitchFamily="34" charset="0"/>
                 <a:cs typeface="Segoe UI" panose="020B0502040204020203" pitchFamily="34" charset="0"/>
               </a:rPr>
               <a:t>vị</a:t>
             </a:r>
             <a:r>
-              <a:rPr lang="en-US" dirty="0">
+              <a:rPr lang="en-US" sz="2800" dirty="0">
                 <a:latin typeface="Segoe UI" panose="020B0502040204020203" pitchFamily="34" charset="0"/>
                 <a:cs typeface="Segoe UI" panose="020B0502040204020203" pitchFamily="34" charset="0"/>
               </a:rPr>
               <a:t> </a:t>
             </a:r>
             <a:r>
-              <a:rPr lang="en-US" dirty="0" err="1">
+              <a:rPr lang="en-US" sz="2800" dirty="0" err="1">
                 <a:latin typeface="Segoe UI" panose="020B0502040204020203" pitchFamily="34" charset="0"/>
                 <a:cs typeface="Segoe UI" panose="020B0502040204020203" pitchFamily="34" charset="0"/>
               </a:rPr>
               <a:t>trí</a:t>
             </a:r>
-            <a:endParaRPr lang="en-US" dirty="0">
+            <a:endParaRPr lang="en-US" sz="2800" dirty="0">
               <a:latin typeface="Segoe UI" panose="020B0502040204020203" pitchFamily="34" charset="0"/>
               <a:cs typeface="Segoe UI" panose="020B0502040204020203" pitchFamily="34" charset="0"/>
             </a:endParaRPr>
